--- a/CommunityModeling/CommFitting/Met model figures.pptx
+++ b/CommunityModeling/CommFitting/Met model figures.pptx
@@ -2987,7 +2987,7 @@
           </a:ln>
           <a:extLst>
             <a:ext uri="{C572A759-6A51-4108-AA02-DFA0A04FC94B}">
-              <ma14:wrappingTextBoxFlag xmlns="" xmlns:m="http://schemas.openxmlformats.org/officeDocument/2006/math" xmlns:a14="http://schemas.microsoft.com/office/drawing/2010/main" xmlns:ma14="http://schemas.microsoft.com/office/mac/drawingml/2011/main" val="1"/>
+              <ma14:wrappingTextBoxFlag xmlns:ma14="http://schemas.microsoft.com/office/mac/drawingml/2011/main" xmlns:a14="http://schemas.microsoft.com/office/drawing/2010/main" xmlns:m="http://schemas.openxmlformats.org/officeDocument/2006/math" xmlns="" val="1"/>
             </a:ext>
           </a:extLst>
         </p:spPr>
@@ -3026,7 +3026,7 @@
           </a:ln>
           <a:extLst>
             <a:ext uri="{C572A759-6A51-4108-AA02-DFA0A04FC94B}">
-              <ma14:wrappingTextBoxFlag xmlns="" xmlns:m="http://schemas.openxmlformats.org/officeDocument/2006/math" xmlns:a14="http://schemas.microsoft.com/office/drawing/2010/main" xmlns:ma14="http://schemas.microsoft.com/office/mac/drawingml/2011/main" val="1"/>
+              <ma14:wrappingTextBoxFlag xmlns:ma14="http://schemas.microsoft.com/office/mac/drawingml/2011/main" xmlns:a14="http://schemas.microsoft.com/office/drawing/2010/main" xmlns:m="http://schemas.openxmlformats.org/officeDocument/2006/math" xmlns="" val="1"/>
             </a:ext>
           </a:extLst>
         </p:spPr>
@@ -3871,7 +3871,7 @@
           </a:ln>
           <a:extLst>
             <a:ext uri="{C572A759-6A51-4108-AA02-DFA0A04FC94B}">
-              <ma14:wrappingTextBoxFlag xmlns="" xmlns:m="http://schemas.openxmlformats.org/officeDocument/2006/math" xmlns:a14="http://schemas.microsoft.com/office/drawing/2010/main" xmlns:ma14="http://schemas.microsoft.com/office/mac/drawingml/2011/main" val="1"/>
+              <ma14:wrappingTextBoxFlag xmlns:ma14="http://schemas.microsoft.com/office/mac/drawingml/2011/main" xmlns:a14="http://schemas.microsoft.com/office/drawing/2010/main" xmlns:m="http://schemas.openxmlformats.org/officeDocument/2006/math" xmlns="" val="1"/>
             </a:ext>
           </a:extLst>
         </p:spPr>
@@ -4135,7 +4135,7 @@
           </a:ln>
           <a:extLst>
             <a:ext uri="{C572A759-6A51-4108-AA02-DFA0A04FC94B}">
-              <ma14:wrappingTextBoxFlag xmlns="" xmlns:m="http://schemas.openxmlformats.org/officeDocument/2006/math" xmlns:a14="http://schemas.microsoft.com/office/drawing/2010/main" xmlns:ma14="http://schemas.microsoft.com/office/mac/drawingml/2011/main" val="1"/>
+              <ma14:wrappingTextBoxFlag xmlns:ma14="http://schemas.microsoft.com/office/mac/drawingml/2011/main" xmlns:a14="http://schemas.microsoft.com/office/drawing/2010/main" xmlns:m="http://schemas.openxmlformats.org/officeDocument/2006/math" xmlns="" val="1"/>
             </a:ext>
           </a:extLst>
         </p:spPr>
@@ -4180,7 +4180,7 @@
           </a:ln>
           <a:extLst>
             <a:ext uri="{C572A759-6A51-4108-AA02-DFA0A04FC94B}">
-              <ma14:wrappingTextBoxFlag xmlns="" xmlns:m="http://schemas.openxmlformats.org/officeDocument/2006/math" xmlns:a14="http://schemas.microsoft.com/office/drawing/2010/main" xmlns:ma14="http://schemas.microsoft.com/office/mac/drawingml/2011/main" val="1"/>
+              <ma14:wrappingTextBoxFlag xmlns:ma14="http://schemas.microsoft.com/office/mac/drawingml/2011/main" xmlns:a14="http://schemas.microsoft.com/office/drawing/2010/main" xmlns:m="http://schemas.openxmlformats.org/officeDocument/2006/math" xmlns="" val="1"/>
             </a:ext>
           </a:extLst>
         </p:spPr>
@@ -4226,7 +4226,7 @@
           </a:ln>
           <a:extLst>
             <a:ext uri="{C572A759-6A51-4108-AA02-DFA0A04FC94B}">
-              <ma14:wrappingTextBoxFlag xmlns="" xmlns:m="http://schemas.openxmlformats.org/officeDocument/2006/math" xmlns:a14="http://schemas.microsoft.com/office/drawing/2010/main" xmlns:ma14="http://schemas.microsoft.com/office/mac/drawingml/2011/main" val="1"/>
+              <ma14:wrappingTextBoxFlag xmlns:ma14="http://schemas.microsoft.com/office/mac/drawingml/2011/main" xmlns:a14="http://schemas.microsoft.com/office/drawing/2010/main" xmlns:m="http://schemas.openxmlformats.org/officeDocument/2006/math" xmlns="" val="1"/>
             </a:ext>
           </a:extLst>
         </p:spPr>
@@ -4357,7 +4357,7 @@
           </a:ln>
           <a:extLst>
             <a:ext uri="{C572A759-6A51-4108-AA02-DFA0A04FC94B}">
-              <ma14:wrappingTextBoxFlag xmlns="" xmlns:m="http://schemas.openxmlformats.org/officeDocument/2006/math" xmlns:a14="http://schemas.microsoft.com/office/drawing/2010/main" xmlns:ma14="http://schemas.microsoft.com/office/mac/drawingml/2011/main" val="1"/>
+              <ma14:wrappingTextBoxFlag xmlns:ma14="http://schemas.microsoft.com/office/mac/drawingml/2011/main" xmlns:a14="http://schemas.microsoft.com/office/drawing/2010/main" xmlns:m="http://schemas.openxmlformats.org/officeDocument/2006/math" xmlns="" val="1"/>
             </a:ext>
           </a:extLst>
         </p:spPr>
@@ -4402,7 +4402,7 @@
           </a:ln>
           <a:extLst>
             <a:ext uri="{C572A759-6A51-4108-AA02-DFA0A04FC94B}">
-              <ma14:wrappingTextBoxFlag xmlns="" xmlns:m="http://schemas.openxmlformats.org/officeDocument/2006/math" xmlns:a14="http://schemas.microsoft.com/office/drawing/2010/main" xmlns:ma14="http://schemas.microsoft.com/office/mac/drawingml/2011/main" val="1"/>
+              <ma14:wrappingTextBoxFlag xmlns:ma14="http://schemas.microsoft.com/office/mac/drawingml/2011/main" xmlns:a14="http://schemas.microsoft.com/office/drawing/2010/main" xmlns:m="http://schemas.openxmlformats.org/officeDocument/2006/math" xmlns="" val="1"/>
             </a:ext>
           </a:extLst>
         </p:spPr>
@@ -5033,7 +5033,7 @@
           </a:ln>
           <a:extLst>
             <a:ext uri="{C572A759-6A51-4108-AA02-DFA0A04FC94B}">
-              <ma14:wrappingTextBoxFlag xmlns="" xmlns:m="http://schemas.openxmlformats.org/officeDocument/2006/math" xmlns:a14="http://schemas.microsoft.com/office/drawing/2010/main" xmlns:ma14="http://schemas.microsoft.com/office/mac/drawingml/2011/main" val="1"/>
+              <ma14:wrappingTextBoxFlag xmlns:ma14="http://schemas.microsoft.com/office/mac/drawingml/2011/main" xmlns:a14="http://schemas.microsoft.com/office/drawing/2010/main" xmlns:m="http://schemas.openxmlformats.org/officeDocument/2006/math" xmlns="" val="1"/>
             </a:ext>
           </a:extLst>
         </p:spPr>
@@ -5121,7 +5121,7 @@
           </a:ln>
           <a:extLst>
             <a:ext uri="{C572A759-6A51-4108-AA02-DFA0A04FC94B}">
-              <ma14:wrappingTextBoxFlag xmlns="" xmlns:m="http://schemas.openxmlformats.org/officeDocument/2006/math" xmlns:a14="http://schemas.microsoft.com/office/drawing/2010/main" xmlns:ma14="http://schemas.microsoft.com/office/mac/drawingml/2011/main" val="1"/>
+              <ma14:wrappingTextBoxFlag xmlns:ma14="http://schemas.microsoft.com/office/mac/drawingml/2011/main" xmlns:a14="http://schemas.microsoft.com/office/drawing/2010/main" xmlns:m="http://schemas.openxmlformats.org/officeDocument/2006/math" xmlns="" val="1"/>
             </a:ext>
           </a:extLst>
         </p:spPr>
@@ -5284,7 +5284,7 @@
           </a:ln>
           <a:extLst>
             <a:ext uri="{C572A759-6A51-4108-AA02-DFA0A04FC94B}">
-              <ma14:wrappingTextBoxFlag xmlns="" xmlns:m="http://schemas.openxmlformats.org/officeDocument/2006/math" xmlns:a14="http://schemas.microsoft.com/office/drawing/2010/main" xmlns:ma14="http://schemas.microsoft.com/office/mac/drawingml/2011/main" val="1"/>
+              <ma14:wrappingTextBoxFlag xmlns:ma14="http://schemas.microsoft.com/office/mac/drawingml/2011/main" xmlns:a14="http://schemas.microsoft.com/office/drawing/2010/main" xmlns:m="http://schemas.openxmlformats.org/officeDocument/2006/math" xmlns="" val="1"/>
             </a:ext>
           </a:extLst>
         </p:spPr>
@@ -5329,7 +5329,7 @@
           </a:ln>
           <a:extLst>
             <a:ext uri="{C572A759-6A51-4108-AA02-DFA0A04FC94B}">
-              <ma14:wrappingTextBoxFlag xmlns="" xmlns:m="http://schemas.openxmlformats.org/officeDocument/2006/math" xmlns:a14="http://schemas.microsoft.com/office/drawing/2010/main" xmlns:ma14="http://schemas.microsoft.com/office/mac/drawingml/2011/main" val="1"/>
+              <ma14:wrappingTextBoxFlag xmlns:ma14="http://schemas.microsoft.com/office/mac/drawingml/2011/main" xmlns:a14="http://schemas.microsoft.com/office/drawing/2010/main" xmlns:m="http://schemas.openxmlformats.org/officeDocument/2006/math" xmlns="" val="1"/>
             </a:ext>
           </a:extLst>
         </p:spPr>
@@ -5734,7 +5734,7 @@
           </a:ln>
           <a:extLst>
             <a:ext uri="{C572A759-6A51-4108-AA02-DFA0A04FC94B}">
-              <ma14:wrappingTextBoxFlag xmlns="" xmlns:m="http://schemas.openxmlformats.org/officeDocument/2006/math" xmlns:a14="http://schemas.microsoft.com/office/drawing/2010/main" xmlns:ma14="http://schemas.microsoft.com/office/mac/drawingml/2011/main" val="1"/>
+              <ma14:wrappingTextBoxFlag xmlns:ma14="http://schemas.microsoft.com/office/mac/drawingml/2011/main" xmlns:a14="http://schemas.microsoft.com/office/drawing/2010/main" xmlns:m="http://schemas.openxmlformats.org/officeDocument/2006/math" xmlns="" val="1"/>
             </a:ext>
           </a:extLst>
         </p:spPr>
@@ -5786,7 +5786,7 @@
           </a:ln>
           <a:extLst>
             <a:ext uri="{C572A759-6A51-4108-AA02-DFA0A04FC94B}">
-              <ma14:wrappingTextBoxFlag xmlns="" xmlns:m="http://schemas.openxmlformats.org/officeDocument/2006/math" xmlns:a14="http://schemas.microsoft.com/office/drawing/2010/main" xmlns:ma14="http://schemas.microsoft.com/office/mac/drawingml/2011/main" val="1"/>
+              <ma14:wrappingTextBoxFlag xmlns:ma14="http://schemas.microsoft.com/office/mac/drawingml/2011/main" xmlns:a14="http://schemas.microsoft.com/office/drawing/2010/main" xmlns:m="http://schemas.openxmlformats.org/officeDocument/2006/math" xmlns="" val="1"/>
             </a:ext>
           </a:extLst>
         </p:spPr>
@@ -5936,7 +5936,7 @@
           </a:ln>
           <a:extLst>
             <a:ext uri="{C572A759-6A51-4108-AA02-DFA0A04FC94B}">
-              <ma14:wrappingTextBoxFlag xmlns="" xmlns:m="http://schemas.openxmlformats.org/officeDocument/2006/math" xmlns:a14="http://schemas.microsoft.com/office/drawing/2010/main" xmlns:ma14="http://schemas.microsoft.com/office/mac/drawingml/2011/main" val="1"/>
+              <ma14:wrappingTextBoxFlag xmlns:ma14="http://schemas.microsoft.com/office/mac/drawingml/2011/main" xmlns:a14="http://schemas.microsoft.com/office/drawing/2010/main" xmlns:m="http://schemas.openxmlformats.org/officeDocument/2006/math" xmlns="" val="1"/>
             </a:ext>
           </a:extLst>
         </p:spPr>
@@ -5987,7 +5987,7 @@
           </a:ln>
           <a:extLst>
             <a:ext uri="{C572A759-6A51-4108-AA02-DFA0A04FC94B}">
-              <ma14:wrappingTextBoxFlag xmlns="" xmlns:m="http://schemas.openxmlformats.org/officeDocument/2006/math" xmlns:a14="http://schemas.microsoft.com/office/drawing/2010/main" xmlns:ma14="http://schemas.microsoft.com/office/mac/drawingml/2011/main" val="1"/>
+              <ma14:wrappingTextBoxFlag xmlns:ma14="http://schemas.microsoft.com/office/mac/drawingml/2011/main" xmlns:a14="http://schemas.microsoft.com/office/drawing/2010/main" xmlns:m="http://schemas.openxmlformats.org/officeDocument/2006/math" xmlns="" val="1"/>
             </a:ext>
           </a:extLst>
         </p:spPr>
@@ -6297,7 +6297,7 @@
           </a:ln>
           <a:extLst>
             <a:ext uri="{C572A759-6A51-4108-AA02-DFA0A04FC94B}">
-              <ma14:wrappingTextBoxFlag xmlns="" xmlns:m="http://schemas.openxmlformats.org/officeDocument/2006/math" xmlns:a14="http://schemas.microsoft.com/office/drawing/2010/main" xmlns:ma14="http://schemas.microsoft.com/office/mac/drawingml/2011/main" val="1"/>
+              <ma14:wrappingTextBoxFlag xmlns:ma14="http://schemas.microsoft.com/office/mac/drawingml/2011/main" xmlns:a14="http://schemas.microsoft.com/office/drawing/2010/main" xmlns:m="http://schemas.openxmlformats.org/officeDocument/2006/math" xmlns="" val="1"/>
             </a:ext>
           </a:extLst>
         </p:spPr>
